--- a/01. 문서관련/01. 화면 디자인 관련/무인시스템 키오스크 작업(진행중).pptx
+++ b/01. 문서관련/01. 화면 디자인 관련/무인시스템 키오스크 작업(진행중).pptx
@@ -9,7 +9,7 @@
     <p:sldId id="257" r:id="rId3"/>
     <p:sldId id="258" r:id="rId4"/>
   </p:sldIdLst>
-  <p:sldSz cx="6858000" cy="9144000" type="screen4x3"/>
+  <p:sldSz cx="5715000" cy="9144000" type="screen16x10"/>
   <p:notesSz cx="6858000" cy="9144000"/>
   <p:defaultTextStyle>
     <a:defPPr>
@@ -138,8 +138,8 @@
         </p:nvSpPr>
         <p:spPr>
           <a:xfrm>
-            <a:off x="514350" y="2840568"/>
-            <a:ext cx="5829300" cy="1960033"/>
+            <a:off x="428625" y="2840569"/>
+            <a:ext cx="4857750" cy="1960033"/>
           </a:xfrm>
         </p:spPr>
         <p:txBody>
@@ -166,8 +166,8 @@
         </p:nvSpPr>
         <p:spPr>
           <a:xfrm>
-            <a:off x="1028700" y="5181600"/>
-            <a:ext cx="4800600" cy="2336800"/>
+            <a:off x="857250" y="5181600"/>
+            <a:ext cx="4000500" cy="2336800"/>
           </a:xfrm>
         </p:spPr>
         <p:txBody>
@@ -290,7 +290,7 @@
           <a:p>
             <a:fld id="{E093BCD1-1213-4A06-809C-BFF2C028711D}" type="datetimeFigureOut">
               <a:rPr lang="ko-KR" altLang="en-US" smtClean="0"/>
-              <a:t>2020-11-24</a:t>
+              <a:t>2020-11-25</a:t>
             </a:fld>
             <a:endParaRPr lang="ko-KR" altLang="en-US"/>
           </a:p>
@@ -460,7 +460,7 @@
           <a:p>
             <a:fld id="{E093BCD1-1213-4A06-809C-BFF2C028711D}" type="datetimeFigureOut">
               <a:rPr lang="ko-KR" altLang="en-US" smtClean="0"/>
-              <a:t>2020-11-24</a:t>
+              <a:t>2020-11-25</a:t>
             </a:fld>
             <a:endParaRPr lang="ko-KR" altLang="en-US"/>
           </a:p>
@@ -550,8 +550,8 @@
         </p:nvSpPr>
         <p:spPr>
           <a:xfrm>
-            <a:off x="4972050" y="366185"/>
-            <a:ext cx="1543050" cy="7802033"/>
+            <a:off x="4143375" y="366186"/>
+            <a:ext cx="1285875" cy="7802033"/>
           </a:xfrm>
         </p:spPr>
         <p:txBody>
@@ -578,8 +578,8 @@
         </p:nvSpPr>
         <p:spPr>
           <a:xfrm>
-            <a:off x="342900" y="366185"/>
-            <a:ext cx="4514850" cy="7802033"/>
+            <a:off x="285750" y="366186"/>
+            <a:ext cx="3762375" cy="7802033"/>
           </a:xfrm>
         </p:spPr>
         <p:txBody>
@@ -640,7 +640,7 @@
           <a:p>
             <a:fld id="{E093BCD1-1213-4A06-809C-BFF2C028711D}" type="datetimeFigureOut">
               <a:rPr lang="ko-KR" altLang="en-US" smtClean="0"/>
-              <a:t>2020-11-24</a:t>
+              <a:t>2020-11-25</a:t>
             </a:fld>
             <a:endParaRPr lang="ko-KR" altLang="en-US"/>
           </a:p>
@@ -810,7 +810,7 @@
           <a:p>
             <a:fld id="{E093BCD1-1213-4A06-809C-BFF2C028711D}" type="datetimeFigureOut">
               <a:rPr lang="ko-KR" altLang="en-US" smtClean="0"/>
-              <a:t>2020-11-24</a:t>
+              <a:t>2020-11-25</a:t>
             </a:fld>
             <a:endParaRPr lang="ko-KR" altLang="en-US"/>
           </a:p>
@@ -900,8 +900,8 @@
         </p:nvSpPr>
         <p:spPr>
           <a:xfrm>
-            <a:off x="541735" y="5875867"/>
-            <a:ext cx="5829300" cy="1816100"/>
+            <a:off x="451446" y="5875867"/>
+            <a:ext cx="4857750" cy="1816100"/>
           </a:xfrm>
         </p:spPr>
         <p:txBody>
@@ -932,8 +932,8 @@
         </p:nvSpPr>
         <p:spPr>
           <a:xfrm>
-            <a:off x="541735" y="3875618"/>
-            <a:ext cx="5829300" cy="2000249"/>
+            <a:off x="451446" y="3875619"/>
+            <a:ext cx="4857750" cy="2000249"/>
           </a:xfrm>
         </p:spPr>
         <p:txBody>
@@ -1056,7 +1056,7 @@
           <a:p>
             <a:fld id="{E093BCD1-1213-4A06-809C-BFF2C028711D}" type="datetimeFigureOut">
               <a:rPr lang="ko-KR" altLang="en-US" smtClean="0"/>
-              <a:t>2020-11-24</a:t>
+              <a:t>2020-11-25</a:t>
             </a:fld>
             <a:endParaRPr lang="ko-KR" altLang="en-US"/>
           </a:p>
@@ -1169,8 +1169,8 @@
         </p:nvSpPr>
         <p:spPr>
           <a:xfrm>
-            <a:off x="342900" y="2133601"/>
-            <a:ext cx="3028950" cy="6034617"/>
+            <a:off x="285750" y="2133602"/>
+            <a:ext cx="2524125" cy="6034617"/>
           </a:xfrm>
         </p:spPr>
         <p:txBody>
@@ -1254,8 +1254,8 @@
         </p:nvSpPr>
         <p:spPr>
           <a:xfrm>
-            <a:off x="3486150" y="2133601"/>
-            <a:ext cx="3028950" cy="6034617"/>
+            <a:off x="2905125" y="2133602"/>
+            <a:ext cx="2524125" cy="6034617"/>
           </a:xfrm>
         </p:spPr>
         <p:txBody>
@@ -1344,7 +1344,7 @@
           <a:p>
             <a:fld id="{E093BCD1-1213-4A06-809C-BFF2C028711D}" type="datetimeFigureOut">
               <a:rPr lang="ko-KR" altLang="en-US" smtClean="0"/>
-              <a:t>2020-11-24</a:t>
+              <a:t>2020-11-25</a:t>
             </a:fld>
             <a:endParaRPr lang="ko-KR" altLang="en-US"/>
           </a:p>
@@ -1461,8 +1461,8 @@
         </p:nvSpPr>
         <p:spPr>
           <a:xfrm>
-            <a:off x="342900" y="2046817"/>
-            <a:ext cx="3030141" cy="853016"/>
+            <a:off x="285750" y="2046817"/>
+            <a:ext cx="2525118" cy="853016"/>
           </a:xfrm>
         </p:spPr>
         <p:txBody>
@@ -1526,8 +1526,8 @@
         </p:nvSpPr>
         <p:spPr>
           <a:xfrm>
-            <a:off x="342900" y="2899833"/>
-            <a:ext cx="3030141" cy="5268384"/>
+            <a:off x="285750" y="2899833"/>
+            <a:ext cx="2525118" cy="5268384"/>
           </a:xfrm>
         </p:spPr>
         <p:txBody>
@@ -1611,8 +1611,8 @@
         </p:nvSpPr>
         <p:spPr>
           <a:xfrm>
-            <a:off x="3483769" y="2046817"/>
-            <a:ext cx="3031331" cy="853016"/>
+            <a:off x="2903141" y="2046817"/>
+            <a:ext cx="2526109" cy="853016"/>
           </a:xfrm>
         </p:spPr>
         <p:txBody>
@@ -1676,8 +1676,8 @@
         </p:nvSpPr>
         <p:spPr>
           <a:xfrm>
-            <a:off x="3483769" y="2899833"/>
-            <a:ext cx="3031331" cy="5268384"/>
+            <a:off x="2903141" y="2899833"/>
+            <a:ext cx="2526109" cy="5268384"/>
           </a:xfrm>
         </p:spPr>
         <p:txBody>
@@ -1766,7 +1766,7 @@
           <a:p>
             <a:fld id="{E093BCD1-1213-4A06-809C-BFF2C028711D}" type="datetimeFigureOut">
               <a:rPr lang="ko-KR" altLang="en-US" smtClean="0"/>
-              <a:t>2020-11-24</a:t>
+              <a:t>2020-11-25</a:t>
             </a:fld>
             <a:endParaRPr lang="ko-KR" altLang="en-US"/>
           </a:p>
@@ -1884,7 +1884,7 @@
           <a:p>
             <a:fld id="{E093BCD1-1213-4A06-809C-BFF2C028711D}" type="datetimeFigureOut">
               <a:rPr lang="ko-KR" altLang="en-US" smtClean="0"/>
-              <a:t>2020-11-24</a:t>
+              <a:t>2020-11-25</a:t>
             </a:fld>
             <a:endParaRPr lang="ko-KR" altLang="en-US"/>
           </a:p>
@@ -1979,7 +1979,7 @@
           <a:p>
             <a:fld id="{E093BCD1-1213-4A06-809C-BFF2C028711D}" type="datetimeFigureOut">
               <a:rPr lang="ko-KR" altLang="en-US" smtClean="0"/>
-              <a:t>2020-11-24</a:t>
+              <a:t>2020-11-25</a:t>
             </a:fld>
             <a:endParaRPr lang="ko-KR" altLang="en-US"/>
           </a:p>
@@ -2069,8 +2069,8 @@
         </p:nvSpPr>
         <p:spPr>
           <a:xfrm>
-            <a:off x="342900" y="364067"/>
-            <a:ext cx="2256235" cy="1549400"/>
+            <a:off x="285750" y="364067"/>
+            <a:ext cx="1880196" cy="1549400"/>
           </a:xfrm>
         </p:spPr>
         <p:txBody>
@@ -2101,8 +2101,8 @@
         </p:nvSpPr>
         <p:spPr>
           <a:xfrm>
-            <a:off x="2681287" y="364067"/>
-            <a:ext cx="3833813" cy="7804151"/>
+            <a:off x="2234406" y="364068"/>
+            <a:ext cx="3194844" cy="7804151"/>
           </a:xfrm>
         </p:spPr>
         <p:txBody>
@@ -2186,8 +2186,8 @@
         </p:nvSpPr>
         <p:spPr>
           <a:xfrm>
-            <a:off x="342900" y="1913467"/>
-            <a:ext cx="2256235" cy="6254751"/>
+            <a:off x="285750" y="1913468"/>
+            <a:ext cx="1880196" cy="6254751"/>
           </a:xfrm>
         </p:spPr>
         <p:txBody>
@@ -2256,7 +2256,7 @@
           <a:p>
             <a:fld id="{E093BCD1-1213-4A06-809C-BFF2C028711D}" type="datetimeFigureOut">
               <a:rPr lang="ko-KR" altLang="en-US" smtClean="0"/>
-              <a:t>2020-11-24</a:t>
+              <a:t>2020-11-25</a:t>
             </a:fld>
             <a:endParaRPr lang="ko-KR" altLang="en-US"/>
           </a:p>
@@ -2346,8 +2346,8 @@
         </p:nvSpPr>
         <p:spPr>
           <a:xfrm>
-            <a:off x="1344216" y="6400800"/>
-            <a:ext cx="4114800" cy="755651"/>
+            <a:off x="1120180" y="6400801"/>
+            <a:ext cx="3429000" cy="755651"/>
           </a:xfrm>
         </p:spPr>
         <p:txBody>
@@ -2378,8 +2378,8 @@
         </p:nvSpPr>
         <p:spPr>
           <a:xfrm>
-            <a:off x="1344216" y="817033"/>
-            <a:ext cx="4114800" cy="5486400"/>
+            <a:off x="1120180" y="817033"/>
+            <a:ext cx="3429000" cy="5486400"/>
           </a:xfrm>
         </p:spPr>
         <p:txBody>
@@ -2439,8 +2439,8 @@
         </p:nvSpPr>
         <p:spPr>
           <a:xfrm>
-            <a:off x="1344216" y="7156451"/>
-            <a:ext cx="4114800" cy="1073149"/>
+            <a:off x="1120180" y="7156452"/>
+            <a:ext cx="3429000" cy="1073149"/>
           </a:xfrm>
         </p:spPr>
         <p:txBody>
@@ -2509,7 +2509,7 @@
           <a:p>
             <a:fld id="{E093BCD1-1213-4A06-809C-BFF2C028711D}" type="datetimeFigureOut">
               <a:rPr lang="ko-KR" altLang="en-US" smtClean="0"/>
-              <a:t>2020-11-24</a:t>
+              <a:t>2020-11-25</a:t>
             </a:fld>
             <a:endParaRPr lang="ko-KR" altLang="en-US"/>
           </a:p>
@@ -2604,8 +2604,8 @@
         </p:nvSpPr>
         <p:spPr>
           <a:xfrm>
-            <a:off x="342900" y="366184"/>
-            <a:ext cx="6172200" cy="1524000"/>
+            <a:off x="285750" y="366184"/>
+            <a:ext cx="5143500" cy="1524000"/>
           </a:xfrm>
           <a:prstGeom prst="rect">
             <a:avLst/>
@@ -2637,8 +2637,8 @@
         </p:nvSpPr>
         <p:spPr>
           <a:xfrm>
-            <a:off x="342900" y="2133601"/>
-            <a:ext cx="6172200" cy="6034617"/>
+            <a:off x="285750" y="2133602"/>
+            <a:ext cx="5143500" cy="6034617"/>
           </a:xfrm>
           <a:prstGeom prst="rect">
             <a:avLst/>
@@ -2699,8 +2699,8 @@
         </p:nvSpPr>
         <p:spPr>
           <a:xfrm>
-            <a:off x="342900" y="8475134"/>
-            <a:ext cx="1600200" cy="486833"/>
+            <a:off x="285750" y="8475135"/>
+            <a:ext cx="1333500" cy="486833"/>
           </a:xfrm>
           <a:prstGeom prst="rect">
             <a:avLst/>
@@ -2722,7 +2722,7 @@
           <a:p>
             <a:fld id="{E093BCD1-1213-4A06-809C-BFF2C028711D}" type="datetimeFigureOut">
               <a:rPr lang="ko-KR" altLang="en-US" smtClean="0"/>
-              <a:t>2020-11-24</a:t>
+              <a:t>2020-11-25</a:t>
             </a:fld>
             <a:endParaRPr lang="ko-KR" altLang="en-US"/>
           </a:p>
@@ -2740,8 +2740,8 @@
         </p:nvSpPr>
         <p:spPr>
           <a:xfrm>
-            <a:off x="2343150" y="8475134"/>
-            <a:ext cx="2171700" cy="486833"/>
+            <a:off x="1952625" y="8475135"/>
+            <a:ext cx="1809750" cy="486833"/>
           </a:xfrm>
           <a:prstGeom prst="rect">
             <a:avLst/>
@@ -2777,8 +2777,8 @@
         </p:nvSpPr>
         <p:spPr>
           <a:xfrm>
-            <a:off x="4914900" y="8475134"/>
-            <a:ext cx="1600200" cy="486833"/>
+            <a:off x="4095750" y="8475135"/>
+            <a:ext cx="1333500" cy="486833"/>
           </a:xfrm>
           <a:prstGeom prst="rect">
             <a:avLst/>
@@ -3120,8 +3120,8 @@
         </p:blipFill>
         <p:spPr bwMode="auto">
           <a:xfrm>
-            <a:off x="7173416" y="0"/>
-            <a:ext cx="4992087" cy="7770806"/>
+            <a:off x="5977847" y="0"/>
+            <a:ext cx="4160073" cy="7770806"/>
           </a:xfrm>
           <a:prstGeom prst="rect">
             <a:avLst/>
@@ -3170,7 +3170,7 @@
         <p:spPr>
           <a:xfrm>
             <a:off x="0" y="0"/>
-            <a:ext cx="6858000" cy="827584"/>
+            <a:ext cx="5715000" cy="827584"/>
           </a:xfrm>
           <a:prstGeom prst="rect">
             <a:avLst/>
@@ -3212,8 +3212,8 @@
         </p:nvSpPr>
         <p:spPr>
           <a:xfrm>
-            <a:off x="-27384" y="864096"/>
-            <a:ext cx="3429000" cy="827584"/>
+            <a:off x="-22820" y="864096"/>
+            <a:ext cx="2857500" cy="827584"/>
           </a:xfrm>
           <a:prstGeom prst="rect">
             <a:avLst/>
@@ -3262,8 +3262,8 @@
         </p:nvSpPr>
         <p:spPr>
           <a:xfrm>
-            <a:off x="3401616" y="864096"/>
-            <a:ext cx="3429000" cy="827584"/>
+            <a:off x="2834680" y="864096"/>
+            <a:ext cx="2857500" cy="827584"/>
           </a:xfrm>
           <a:prstGeom prst="rect">
             <a:avLst/>
@@ -3312,8 +3312,8 @@
         </p:nvSpPr>
         <p:spPr>
           <a:xfrm>
-            <a:off x="3573016" y="2771800"/>
-            <a:ext cx="2592288" cy="504056"/>
+            <a:off x="2977513" y="2771800"/>
+            <a:ext cx="2160240" cy="504056"/>
           </a:xfrm>
           <a:prstGeom prst="rect">
             <a:avLst/>
@@ -3360,8 +3360,8 @@
         </p:nvSpPr>
         <p:spPr>
           <a:xfrm>
-            <a:off x="980728" y="2771800"/>
-            <a:ext cx="2592288" cy="504056"/>
+            <a:off x="817273" y="2771800"/>
+            <a:ext cx="2160240" cy="504056"/>
           </a:xfrm>
           <a:prstGeom prst="rect">
             <a:avLst/>
@@ -3412,8 +3412,8 @@
         </p:nvSpPr>
         <p:spPr>
           <a:xfrm>
-            <a:off x="3573016" y="3381347"/>
-            <a:ext cx="2592288" cy="504056"/>
+            <a:off x="2977513" y="3381347"/>
+            <a:ext cx="2160240" cy="504056"/>
           </a:xfrm>
           <a:prstGeom prst="rect">
             <a:avLst/>
@@ -3460,8 +3460,8 @@
         </p:nvSpPr>
         <p:spPr>
           <a:xfrm>
-            <a:off x="980728" y="3381347"/>
-            <a:ext cx="2592288" cy="504056"/>
+            <a:off x="817273" y="3381347"/>
+            <a:ext cx="2160240" cy="504056"/>
           </a:xfrm>
           <a:prstGeom prst="rect">
             <a:avLst/>
@@ -3504,8 +3504,8 @@
         </p:nvSpPr>
         <p:spPr>
           <a:xfrm>
-            <a:off x="859024" y="4139951"/>
-            <a:ext cx="1656184" cy="902621"/>
+            <a:off x="715854" y="4139952"/>
+            <a:ext cx="1380153" cy="902621"/>
           </a:xfrm>
           <a:prstGeom prst="rect">
             <a:avLst/>
@@ -3559,8 +3559,8 @@
         </p:nvSpPr>
         <p:spPr>
           <a:xfrm>
-            <a:off x="2744924" y="4139951"/>
-            <a:ext cx="1656184" cy="902621"/>
+            <a:off x="2287437" y="4139952"/>
+            <a:ext cx="1380153" cy="902621"/>
           </a:xfrm>
           <a:prstGeom prst="rect">
             <a:avLst/>
@@ -3603,8 +3603,8 @@
         </p:nvSpPr>
         <p:spPr>
           <a:xfrm>
-            <a:off x="4653136" y="4139951"/>
-            <a:ext cx="1656184" cy="902621"/>
+            <a:off x="3877614" y="4139952"/>
+            <a:ext cx="1380153" cy="902621"/>
           </a:xfrm>
           <a:prstGeom prst="rect">
             <a:avLst/>
@@ -3647,8 +3647,8 @@
         </p:nvSpPr>
         <p:spPr>
           <a:xfrm>
-            <a:off x="1782924" y="5364089"/>
-            <a:ext cx="3333428" cy="451310"/>
+            <a:off x="1485770" y="5364089"/>
+            <a:ext cx="2777857" cy="451310"/>
           </a:xfrm>
           <a:prstGeom prst="rect">
             <a:avLst/>
@@ -3703,8 +3703,8 @@
         </p:nvSpPr>
         <p:spPr>
           <a:xfrm>
-            <a:off x="0" y="5924390"/>
-            <a:ext cx="6830616" cy="3219609"/>
+            <a:off x="0" y="5924391"/>
+            <a:ext cx="5692180" cy="3219609"/>
           </a:xfrm>
           <a:prstGeom prst="rect">
             <a:avLst/>
@@ -3742,8 +3742,8 @@
         </p:nvSpPr>
         <p:spPr>
           <a:xfrm>
-            <a:off x="5229200" y="6300192"/>
-            <a:ext cx="1080120" cy="2088232"/>
+            <a:off x="4357667" y="6300192"/>
+            <a:ext cx="900100" cy="2088232"/>
           </a:xfrm>
           <a:prstGeom prst="rect">
             <a:avLst/>
@@ -3799,8 +3799,8 @@
         </p:nvSpPr>
         <p:spPr>
           <a:xfrm>
-            <a:off x="3691322" y="5976764"/>
-            <a:ext cx="1080120" cy="792088"/>
+            <a:off x="3076102" y="5976764"/>
+            <a:ext cx="900100" cy="792088"/>
           </a:xfrm>
           <a:prstGeom prst="rect">
             <a:avLst/>
@@ -3848,8 +3848,8 @@
         </p:nvSpPr>
         <p:spPr>
           <a:xfrm>
-            <a:off x="1462522" y="5976764"/>
-            <a:ext cx="1080120" cy="792088"/>
+            <a:off x="1218768" y="5976764"/>
+            <a:ext cx="900100" cy="792088"/>
           </a:xfrm>
           <a:prstGeom prst="rect">
             <a:avLst/>
@@ -3897,8 +3897,8 @@
         </p:nvSpPr>
         <p:spPr>
           <a:xfrm>
-            <a:off x="2573102" y="5976764"/>
-            <a:ext cx="1080120" cy="792088"/>
+            <a:off x="2144252" y="5976764"/>
+            <a:ext cx="900100" cy="792088"/>
           </a:xfrm>
           <a:prstGeom prst="rect">
             <a:avLst/>
@@ -3946,8 +3946,8 @@
         </p:nvSpPr>
         <p:spPr>
           <a:xfrm>
-            <a:off x="3691322" y="6768852"/>
-            <a:ext cx="1080120" cy="792088"/>
+            <a:off x="3076102" y="6768852"/>
+            <a:ext cx="900100" cy="792088"/>
           </a:xfrm>
           <a:prstGeom prst="rect">
             <a:avLst/>
@@ -3995,8 +3995,8 @@
         </p:nvSpPr>
         <p:spPr>
           <a:xfrm>
-            <a:off x="1462522" y="6768852"/>
-            <a:ext cx="1080120" cy="792088"/>
+            <a:off x="1218768" y="6768852"/>
+            <a:ext cx="900100" cy="792088"/>
           </a:xfrm>
           <a:prstGeom prst="rect">
             <a:avLst/>
@@ -4044,8 +4044,8 @@
         </p:nvSpPr>
         <p:spPr>
           <a:xfrm>
-            <a:off x="2573102" y="6768852"/>
-            <a:ext cx="1080120" cy="792088"/>
+            <a:off x="2144252" y="6768852"/>
+            <a:ext cx="900100" cy="792088"/>
           </a:xfrm>
           <a:prstGeom prst="rect">
             <a:avLst/>
@@ -4093,8 +4093,8 @@
         </p:nvSpPr>
         <p:spPr>
           <a:xfrm>
-            <a:off x="3691322" y="7560940"/>
-            <a:ext cx="1080120" cy="792088"/>
+            <a:off x="3076102" y="7560940"/>
+            <a:ext cx="900100" cy="792088"/>
           </a:xfrm>
           <a:prstGeom prst="rect">
             <a:avLst/>
@@ -4142,8 +4142,8 @@
         </p:nvSpPr>
         <p:spPr>
           <a:xfrm>
-            <a:off x="1462522" y="7560940"/>
-            <a:ext cx="1080120" cy="792088"/>
+            <a:off x="1218768" y="7560940"/>
+            <a:ext cx="900100" cy="792088"/>
           </a:xfrm>
           <a:prstGeom prst="rect">
             <a:avLst/>
@@ -4191,8 +4191,8 @@
         </p:nvSpPr>
         <p:spPr>
           <a:xfrm>
-            <a:off x="2573102" y="7560940"/>
-            <a:ext cx="1080120" cy="792088"/>
+            <a:off x="2144252" y="7560940"/>
+            <a:ext cx="900100" cy="792088"/>
           </a:xfrm>
           <a:prstGeom prst="rect">
             <a:avLst/>
@@ -4240,8 +4240,8 @@
         </p:nvSpPr>
         <p:spPr>
           <a:xfrm>
-            <a:off x="3691322" y="8353028"/>
-            <a:ext cx="1080120" cy="792088"/>
+            <a:off x="3076102" y="8353028"/>
+            <a:ext cx="900100" cy="792088"/>
           </a:xfrm>
           <a:prstGeom prst="rect">
             <a:avLst/>
@@ -4289,8 +4289,8 @@
         </p:nvSpPr>
         <p:spPr>
           <a:xfrm>
-            <a:off x="1462522" y="8353028"/>
-            <a:ext cx="1080120" cy="792088"/>
+            <a:off x="1218768" y="8353028"/>
+            <a:ext cx="900100" cy="792088"/>
           </a:xfrm>
           <a:prstGeom prst="rect">
             <a:avLst/>
@@ -4338,8 +4338,8 @@
         </p:nvSpPr>
         <p:spPr>
           <a:xfrm>
-            <a:off x="2573102" y="8353028"/>
-            <a:ext cx="1080120" cy="792088"/>
+            <a:off x="2144252" y="8353028"/>
+            <a:ext cx="900100" cy="792088"/>
           </a:xfrm>
           <a:prstGeom prst="rect">
             <a:avLst/>
@@ -4389,6 +4389,13 @@
   <p:clrMapOvr>
     <a:masterClrMapping/>
   </p:clrMapOvr>
+  <p:timing>
+    <p:tnLst>
+      <p:par>
+        <p:cTn id="1" dur="indefinite" restart="never" nodeType="tmRoot"/>
+      </p:par>
+    </p:tnLst>
+  </p:timing>
 </p:sld>
 </file>
 
@@ -4432,8 +4439,8 @@
         </p:blipFill>
         <p:spPr bwMode="auto">
           <a:xfrm>
-            <a:off x="332656" y="1667892"/>
-            <a:ext cx="4622006" cy="5740400"/>
+            <a:off x="-5581400" y="-213815"/>
+            <a:ext cx="4660638" cy="6514007"/>
           </a:xfrm>
           <a:prstGeom prst="rect">
             <a:avLst/>
@@ -4473,6 +4480,405 @@
           </a:extLst>
         </p:spPr>
       </p:pic>
+      <p:sp>
+        <p:nvSpPr>
+          <p:cNvPr id="3" name="직사각형 2"/>
+          <p:cNvSpPr/>
+          <p:nvPr/>
+        </p:nvSpPr>
+        <p:spPr>
+          <a:xfrm>
+            <a:off x="0" y="0"/>
+            <a:ext cx="5715000" cy="827584"/>
+          </a:xfrm>
+          <a:prstGeom prst="rect">
+            <a:avLst/>
+          </a:prstGeom>
+        </p:spPr>
+        <p:style>
+          <a:lnRef idx="2">
+            <a:schemeClr val="accent1">
+              <a:shade val="50000"/>
+            </a:schemeClr>
+          </a:lnRef>
+          <a:fillRef idx="1">
+            <a:schemeClr val="accent1"/>
+          </a:fillRef>
+          <a:effectRef idx="0">
+            <a:schemeClr val="accent1"/>
+          </a:effectRef>
+          <a:fontRef idx="minor">
+            <a:schemeClr val="lt1"/>
+          </a:fontRef>
+        </p:style>
+        <p:txBody>
+          <a:bodyPr rtlCol="0" anchor="ctr"/>
+          <a:lstStyle/>
+          <a:p>
+            <a:r>
+              <a:rPr lang="ko-KR" altLang="en-US" sz="3200" dirty="0" smtClean="0"/>
+              <a:t>메인</a:t>
+            </a:r>
+            <a:r>
+              <a:rPr lang="en-US" altLang="ko-KR" sz="3200" dirty="0" smtClean="0"/>
+              <a:t>&gt;</a:t>
+            </a:r>
+            <a:r>
+              <a:rPr lang="ko-KR" altLang="en-US" sz="3200" dirty="0" smtClean="0"/>
+              <a:t>신규회원가입하기</a:t>
+            </a:r>
+            <a:endParaRPr lang="en-US" altLang="ko-KR" sz="3200" dirty="0" smtClean="0"/>
+          </a:p>
+        </p:txBody>
+      </p:sp>
+      <p:sp>
+        <p:nvSpPr>
+          <p:cNvPr id="4" name="직사각형 3"/>
+          <p:cNvSpPr/>
+          <p:nvPr/>
+        </p:nvSpPr>
+        <p:spPr>
+          <a:xfrm>
+            <a:off x="2977513" y="2771800"/>
+            <a:ext cx="2160240" cy="504056"/>
+          </a:xfrm>
+          <a:prstGeom prst="rect">
+            <a:avLst/>
+          </a:prstGeom>
+          <a:solidFill>
+            <a:schemeClr val="bg1"/>
+          </a:solidFill>
+          <a:ln w="3175">
+            <a:solidFill>
+              <a:schemeClr val="tx1"/>
+            </a:solidFill>
+          </a:ln>
+        </p:spPr>
+        <p:style>
+          <a:lnRef idx="2">
+            <a:schemeClr val="accent1">
+              <a:shade val="50000"/>
+            </a:schemeClr>
+          </a:lnRef>
+          <a:fillRef idx="1">
+            <a:schemeClr val="accent1"/>
+          </a:fillRef>
+          <a:effectRef idx="0">
+            <a:schemeClr val="accent1"/>
+          </a:effectRef>
+          <a:fontRef idx="minor">
+            <a:schemeClr val="lt1"/>
+          </a:fontRef>
+        </p:style>
+        <p:txBody>
+          <a:bodyPr rtlCol="0" anchor="ctr"/>
+          <a:lstStyle/>
+          <a:p>
+            <a:pPr algn="ctr"/>
+            <a:endParaRPr lang="ko-KR" altLang="en-US"/>
+          </a:p>
+        </p:txBody>
+      </p:sp>
+      <p:sp>
+        <p:nvSpPr>
+          <p:cNvPr id="5" name="직사각형 4"/>
+          <p:cNvSpPr/>
+          <p:nvPr/>
+        </p:nvSpPr>
+        <p:spPr>
+          <a:xfrm>
+            <a:off x="817273" y="2771800"/>
+            <a:ext cx="2160240" cy="504056"/>
+          </a:xfrm>
+          <a:prstGeom prst="rect">
+            <a:avLst/>
+          </a:prstGeom>
+        </p:spPr>
+        <p:style>
+          <a:lnRef idx="2">
+            <a:schemeClr val="accent1">
+              <a:shade val="50000"/>
+            </a:schemeClr>
+          </a:lnRef>
+          <a:fillRef idx="1">
+            <a:schemeClr val="accent1"/>
+          </a:fillRef>
+          <a:effectRef idx="0">
+            <a:schemeClr val="accent1"/>
+          </a:effectRef>
+          <a:fontRef idx="minor">
+            <a:schemeClr val="lt1"/>
+          </a:fontRef>
+        </p:style>
+        <p:txBody>
+          <a:bodyPr rtlCol="0" anchor="ctr"/>
+          <a:lstStyle/>
+          <a:p>
+            <a:pPr algn="ctr"/>
+            <a:r>
+              <a:rPr lang="en-US" altLang="ko-KR" b="1" dirty="0" smtClean="0"/>
+              <a:t>ID(</a:t>
+            </a:r>
+            <a:r>
+              <a:rPr lang="ko-KR" altLang="en-US" b="1" dirty="0" smtClean="0"/>
+              <a:t>전화번호</a:t>
+            </a:r>
+            <a:r>
+              <a:rPr lang="en-US" altLang="ko-KR" b="1" dirty="0" smtClean="0"/>
+              <a:t>)</a:t>
+            </a:r>
+            <a:endParaRPr lang="ko-KR" altLang="en-US" b="1" dirty="0"/>
+          </a:p>
+        </p:txBody>
+      </p:sp>
+      <p:sp>
+        <p:nvSpPr>
+          <p:cNvPr id="6" name="직사각형 5"/>
+          <p:cNvSpPr/>
+          <p:nvPr/>
+        </p:nvSpPr>
+        <p:spPr>
+          <a:xfrm>
+            <a:off x="2977513" y="3381347"/>
+            <a:ext cx="2160240" cy="504056"/>
+          </a:xfrm>
+          <a:prstGeom prst="rect">
+            <a:avLst/>
+          </a:prstGeom>
+          <a:solidFill>
+            <a:schemeClr val="bg1"/>
+          </a:solidFill>
+          <a:ln w="3175">
+            <a:solidFill>
+              <a:schemeClr val="tx1"/>
+            </a:solidFill>
+          </a:ln>
+        </p:spPr>
+        <p:style>
+          <a:lnRef idx="2">
+            <a:schemeClr val="accent1">
+              <a:shade val="50000"/>
+            </a:schemeClr>
+          </a:lnRef>
+          <a:fillRef idx="1">
+            <a:schemeClr val="accent1"/>
+          </a:fillRef>
+          <a:effectRef idx="0">
+            <a:schemeClr val="accent1"/>
+          </a:effectRef>
+          <a:fontRef idx="minor">
+            <a:schemeClr val="lt1"/>
+          </a:fontRef>
+        </p:style>
+        <p:txBody>
+          <a:bodyPr rtlCol="0" anchor="ctr"/>
+          <a:lstStyle/>
+          <a:p>
+            <a:pPr algn="ctr"/>
+            <a:endParaRPr lang="ko-KR" altLang="en-US"/>
+          </a:p>
+        </p:txBody>
+      </p:sp>
+      <p:sp>
+        <p:nvSpPr>
+          <p:cNvPr id="7" name="직사각형 6"/>
+          <p:cNvSpPr/>
+          <p:nvPr/>
+        </p:nvSpPr>
+        <p:spPr>
+          <a:xfrm>
+            <a:off x="817273" y="3381347"/>
+            <a:ext cx="2160240" cy="504056"/>
+          </a:xfrm>
+          <a:prstGeom prst="rect">
+            <a:avLst/>
+          </a:prstGeom>
+        </p:spPr>
+        <p:style>
+          <a:lnRef idx="2">
+            <a:schemeClr val="accent1">
+              <a:shade val="50000"/>
+            </a:schemeClr>
+          </a:lnRef>
+          <a:fillRef idx="1">
+            <a:schemeClr val="accent1"/>
+          </a:fillRef>
+          <a:effectRef idx="0">
+            <a:schemeClr val="accent1"/>
+          </a:effectRef>
+          <a:fontRef idx="minor">
+            <a:schemeClr val="lt1"/>
+          </a:fontRef>
+        </p:style>
+        <p:txBody>
+          <a:bodyPr rtlCol="0" anchor="ctr"/>
+          <a:lstStyle/>
+          <a:p>
+            <a:pPr algn="ctr"/>
+            <a:r>
+              <a:rPr lang="en-US" altLang="ko-KR" b="1" dirty="0" smtClean="0"/>
+              <a:t>PW</a:t>
+            </a:r>
+            <a:endParaRPr lang="ko-KR" altLang="en-US" b="1" dirty="0"/>
+          </a:p>
+        </p:txBody>
+      </p:sp>
+      <p:pic>
+        <p:nvPicPr>
+          <p:cNvPr id="1026" name="Picture 2"/>
+          <p:cNvPicPr>
+            <a:picLocks noChangeAspect="1" noChangeArrowheads="1"/>
+          </p:cNvPicPr>
+          <p:nvPr/>
+        </p:nvPicPr>
+        <p:blipFill>
+          <a:blip r:embed="rId3">
+            <a:extLst>
+              <a:ext uri="{28A0092B-C50C-407E-A947-70E740481C1C}">
+                <a14:useLocalDpi xmlns:a14="http://schemas.microsoft.com/office/drawing/2010/main" val="0"/>
+              </a:ext>
+            </a:extLst>
+          </a:blip>
+          <a:srcRect/>
+          <a:stretch>
+            <a:fillRect/>
+          </a:stretch>
+        </p:blipFill>
+        <p:spPr bwMode="auto">
+          <a:xfrm>
+            <a:off x="0" y="5004047"/>
+            <a:ext cx="5715000" cy="4139953"/>
+          </a:xfrm>
+          <a:prstGeom prst="rect">
+            <a:avLst/>
+          </a:prstGeom>
+          <a:noFill/>
+          <a:ln>
+            <a:noFill/>
+          </a:ln>
+          <a:effectLst/>
+          <a:extLst>
+            <a:ext uri="{909E8E84-426E-40DD-AFC4-6F175D3DCCD1}">
+              <a14:hiddenFill xmlns:a14="http://schemas.microsoft.com/office/drawing/2010/main">
+                <a:solidFill>
+                  <a:schemeClr val="accent1"/>
+                </a:solidFill>
+              </a14:hiddenFill>
+            </a:ext>
+            <a:ext uri="{91240B29-F687-4F45-9708-019B960494DF}">
+              <a14:hiddenLine xmlns:a14="http://schemas.microsoft.com/office/drawing/2010/main" w="9525">
+                <a:solidFill>
+                  <a:schemeClr val="tx1"/>
+                </a:solidFill>
+                <a:miter lim="800000"/>
+                <a:headEnd/>
+                <a:tailEnd/>
+              </a14:hiddenLine>
+            </a:ext>
+            <a:ext uri="{AF507438-7753-43E0-B8FC-AC1667EBCBE1}">
+              <a14:hiddenEffects xmlns:a14="http://schemas.microsoft.com/office/drawing/2010/main">
+                <a:effectLst>
+                  <a:outerShdw dist="35921" dir="2700000" algn="ctr" rotWithShape="0">
+                    <a:schemeClr val="bg2"/>
+                  </a:outerShdw>
+                </a:effectLst>
+              </a14:hiddenEffects>
+            </a:ext>
+          </a:extLst>
+        </p:spPr>
+      </p:pic>
+      <p:sp>
+        <p:nvSpPr>
+          <p:cNvPr id="9" name="직사각형 8"/>
+          <p:cNvSpPr/>
+          <p:nvPr/>
+        </p:nvSpPr>
+        <p:spPr>
+          <a:xfrm>
+            <a:off x="3001516" y="2195736"/>
+            <a:ext cx="2160240" cy="504056"/>
+          </a:xfrm>
+          <a:prstGeom prst="rect">
+            <a:avLst/>
+          </a:prstGeom>
+          <a:solidFill>
+            <a:schemeClr val="bg1"/>
+          </a:solidFill>
+          <a:ln w="3175">
+            <a:solidFill>
+              <a:schemeClr val="tx1"/>
+            </a:solidFill>
+          </a:ln>
+        </p:spPr>
+        <p:style>
+          <a:lnRef idx="2">
+            <a:schemeClr val="accent1">
+              <a:shade val="50000"/>
+            </a:schemeClr>
+          </a:lnRef>
+          <a:fillRef idx="1">
+            <a:schemeClr val="accent1"/>
+          </a:fillRef>
+          <a:effectRef idx="0">
+            <a:schemeClr val="accent1"/>
+          </a:effectRef>
+          <a:fontRef idx="minor">
+            <a:schemeClr val="lt1"/>
+          </a:fontRef>
+        </p:style>
+        <p:txBody>
+          <a:bodyPr rtlCol="0" anchor="ctr"/>
+          <a:lstStyle/>
+          <a:p>
+            <a:pPr algn="ctr"/>
+            <a:endParaRPr lang="ko-KR" altLang="en-US"/>
+          </a:p>
+        </p:txBody>
+      </p:sp>
+      <p:sp>
+        <p:nvSpPr>
+          <p:cNvPr id="10" name="직사각형 9"/>
+          <p:cNvSpPr/>
+          <p:nvPr/>
+        </p:nvSpPr>
+        <p:spPr>
+          <a:xfrm>
+            <a:off x="841276" y="2195736"/>
+            <a:ext cx="2160240" cy="504056"/>
+          </a:xfrm>
+          <a:prstGeom prst="rect">
+            <a:avLst/>
+          </a:prstGeom>
+        </p:spPr>
+        <p:style>
+          <a:lnRef idx="2">
+            <a:schemeClr val="accent1">
+              <a:shade val="50000"/>
+            </a:schemeClr>
+          </a:lnRef>
+          <a:fillRef idx="1">
+            <a:schemeClr val="accent1"/>
+          </a:fillRef>
+          <a:effectRef idx="0">
+            <a:schemeClr val="accent1"/>
+          </a:effectRef>
+          <a:fontRef idx="minor">
+            <a:schemeClr val="lt1"/>
+          </a:fontRef>
+        </p:style>
+        <p:txBody>
+          <a:bodyPr rtlCol="0" anchor="ctr"/>
+          <a:lstStyle/>
+          <a:p>
+            <a:pPr algn="ctr"/>
+            <a:r>
+              <a:rPr lang="ko-KR" altLang="en-US" b="1" dirty="0" smtClean="0"/>
+              <a:t>이름</a:t>
+            </a:r>
+            <a:endParaRPr lang="ko-KR" altLang="en-US" b="1" dirty="0"/>
+          </a:p>
+        </p:txBody>
+      </p:sp>
     </p:spTree>
     <p:extLst>
       <p:ext uri="{BB962C8B-B14F-4D97-AF65-F5344CB8AC3E}">
@@ -4483,6 +4889,13 @@
   <p:clrMapOvr>
     <a:masterClrMapping/>
   </p:clrMapOvr>
+  <p:timing>
+    <p:tnLst>
+      <p:par>
+        <p:cTn id="1" dur="indefinite" restart="never" nodeType="tmRoot"/>
+      </p:par>
+    </p:tnLst>
+  </p:timing>
 </p:sld>
 </file>
 
@@ -4526,8 +4939,8 @@
         </p:blipFill>
         <p:spPr bwMode="auto">
           <a:xfrm>
-            <a:off x="404665" y="443543"/>
-            <a:ext cx="3888432" cy="8350624"/>
+            <a:off x="337221" y="443543"/>
+            <a:ext cx="3240360" cy="8350624"/>
           </a:xfrm>
           <a:prstGeom prst="rect">
             <a:avLst/>
@@ -4577,6 +4990,13 @@
   <p:clrMapOvr>
     <a:masterClrMapping/>
   </p:clrMapOvr>
+  <p:timing>
+    <p:tnLst>
+      <p:par>
+        <p:cTn id="1" dur="indefinite" restart="never" nodeType="tmRoot"/>
+      </p:par>
+    </p:tnLst>
+  </p:timing>
 </p:sld>
 </file>
 
